--- a/2022/June_Batch/5Javascript/2August/26-08-22-scoping-change-tdz-this-keyword/9javascript -Behind-the-scence.pptx
+++ b/2022/June_Batch/5Javascript/2August/26-08-22-scoping-change-tdz-this-keyword/9javascript -Behind-the-scence.pptx
@@ -12,12 +12,6 @@
     <p:sldId id="407" r:id="rId6"/>
     <p:sldId id="408" r:id="rId7"/>
     <p:sldId id="409" r:id="rId8"/>
-    <p:sldId id="410" r:id="rId9"/>
-    <p:sldId id="411" r:id="rId10"/>
-    <p:sldId id="412" r:id="rId11"/>
-    <p:sldId id="413" r:id="rId12"/>
-    <p:sldId id="414" r:id="rId13"/>
-    <p:sldId id="419" r:id="rId14"/>
   </p:sldIdLst>
   <p:sldSz cx="12192000" cy="6858000"/>
   <p:notesSz cx="6858000" cy="9144000"/>
@@ -118,7 +112,7 @@
   </p:defaultTextStyle>
   <p:extLst>
     <p:ext uri="{EFAFB233-063F-42B5-8137-9DF3F51BA10A}">
-      <p15:sldGuideLst xmlns="" xmlns:p15="http://schemas.microsoft.com/office/powerpoint/2012/main">
+      <p15:sldGuideLst xmlns:p15="http://schemas.microsoft.com/office/powerpoint/2012/main" xmlns="">
         <p15:guide id="1" orient="horz" pos="2160">
           <p15:clr>
             <a:srgbClr val="A4A3A4"/>
@@ -406,7 +400,7 @@
             <a:fld id="{7FCC5AE5-E495-4913-B643-A95A6AFABB00}" type="datetimeFigureOut">
               <a:rPr kumimoji="1" lang="ja-JP" altLang="en-US" smtClean="0"/>
               <a:pPr/>
-              <a:t>2022/8/25</a:t>
+              <a:t>2022/8/26</a:t>
             </a:fld>
             <a:endParaRPr kumimoji="1" lang="ja-JP" altLang="en-US"/>
           </a:p>
@@ -607,7 +601,7 @@
             <a:fld id="{7FCC5AE5-E495-4913-B643-A95A6AFABB00}" type="datetimeFigureOut">
               <a:rPr kumimoji="1" lang="ja-JP" altLang="en-US" smtClean="0"/>
               <a:pPr/>
-              <a:t>2022/8/25</a:t>
+              <a:t>2022/8/26</a:t>
             </a:fld>
             <a:endParaRPr kumimoji="1" lang="ja-JP" altLang="en-US"/>
           </a:p>
@@ -799,7 +793,7 @@
             <a:fld id="{7FCC5AE5-E495-4913-B643-A95A6AFABB00}" type="datetimeFigureOut">
               <a:rPr kumimoji="1" lang="ja-JP" altLang="en-US" smtClean="0"/>
               <a:pPr/>
-              <a:t>2022/8/25</a:t>
+              <a:t>2022/8/26</a:t>
             </a:fld>
             <a:endParaRPr kumimoji="1" lang="ja-JP" altLang="en-US"/>
           </a:p>
@@ -993,7 +987,7 @@
             <a:fld id="{7FCC5AE5-E495-4913-B643-A95A6AFABB00}" type="datetimeFigureOut">
               <a:rPr kumimoji="1" lang="ja-JP" altLang="en-US" smtClean="0"/>
               <a:pPr/>
-              <a:t>2022/8/25</a:t>
+              <a:t>2022/8/26</a:t>
             </a:fld>
             <a:endParaRPr kumimoji="1" lang="ja-JP" altLang="en-US"/>
           </a:p>
@@ -1221,7 +1215,7 @@
             <a:fld id="{7FCC5AE5-E495-4913-B643-A95A6AFABB00}" type="datetimeFigureOut">
               <a:rPr kumimoji="1" lang="ja-JP" altLang="en-US" smtClean="0"/>
               <a:pPr/>
-              <a:t>2022/8/25</a:t>
+              <a:t>2022/8/26</a:t>
             </a:fld>
             <a:endParaRPr kumimoji="1" lang="ja-JP" altLang="en-US"/>
           </a:p>
@@ -1514,7 +1508,7 @@
             <a:fld id="{7FCC5AE5-E495-4913-B643-A95A6AFABB00}" type="datetimeFigureOut">
               <a:rPr kumimoji="1" lang="ja-JP" altLang="en-US" smtClean="0"/>
               <a:pPr/>
-              <a:t>2022/8/25</a:t>
+              <a:t>2022/8/26</a:t>
             </a:fld>
             <a:endParaRPr kumimoji="1" lang="ja-JP" altLang="en-US"/>
           </a:p>
@@ -1947,7 +1941,7 @@
             <a:fld id="{7FCC5AE5-E495-4913-B643-A95A6AFABB00}" type="datetimeFigureOut">
               <a:rPr kumimoji="1" lang="ja-JP" altLang="en-US" smtClean="0"/>
               <a:pPr/>
-              <a:t>2022/8/25</a:t>
+              <a:t>2022/8/26</a:t>
             </a:fld>
             <a:endParaRPr kumimoji="1" lang="ja-JP" altLang="en-US"/>
           </a:p>
@@ -2075,7 +2069,7 @@
             <a:fld id="{7FCC5AE5-E495-4913-B643-A95A6AFABB00}" type="datetimeFigureOut">
               <a:rPr kumimoji="1" lang="ja-JP" altLang="en-US" smtClean="0"/>
               <a:pPr/>
-              <a:t>2022/8/25</a:t>
+              <a:t>2022/8/26</a:t>
             </a:fld>
             <a:endParaRPr kumimoji="1" lang="ja-JP" altLang="en-US"/>
           </a:p>
@@ -2180,7 +2174,7 @@
             <a:fld id="{7FCC5AE5-E495-4913-B643-A95A6AFABB00}" type="datetimeFigureOut">
               <a:rPr kumimoji="1" lang="ja-JP" altLang="en-US" smtClean="0"/>
               <a:pPr/>
-              <a:t>2022/8/25</a:t>
+              <a:t>2022/8/26</a:t>
             </a:fld>
             <a:endParaRPr kumimoji="1" lang="ja-JP" altLang="en-US"/>
           </a:p>
@@ -2451,7 +2445,7 @@
             <a:fld id="{7FCC5AE5-E495-4913-B643-A95A6AFABB00}" type="datetimeFigureOut">
               <a:rPr kumimoji="1" lang="ja-JP" altLang="en-US" smtClean="0"/>
               <a:pPr/>
-              <a:t>2022/8/25</a:t>
+              <a:t>2022/8/26</a:t>
             </a:fld>
             <a:endParaRPr kumimoji="1" lang="ja-JP" altLang="en-US"/>
           </a:p>
@@ -2817,7 +2811,7 @@
             <a:fld id="{7FCC5AE5-E495-4913-B643-A95A6AFABB00}" type="datetimeFigureOut">
               <a:rPr kumimoji="1" lang="ja-JP" altLang="en-US" smtClean="0"/>
               <a:pPr/>
-              <a:t>2022/8/25</a:t>
+              <a:t>2022/8/26</a:t>
             </a:fld>
             <a:endParaRPr kumimoji="1" lang="ja-JP" altLang="en-US"/>
           </a:p>
@@ -3174,7 +3168,7 @@
             <a:fld id="{7FCC5AE5-E495-4913-B643-A95A6AFABB00}" type="datetimeFigureOut">
               <a:rPr kumimoji="1" lang="ja-JP" altLang="en-US" smtClean="0"/>
               <a:pPr/>
-              <a:t>2022/8/25</a:t>
+              <a:t>2022/8/26</a:t>
             </a:fld>
             <a:endParaRPr kumimoji="1" lang="ja-JP" altLang="en-US"/>
           </a:p>
@@ -3728,7 +3722,7 @@
     </p:spTree>
     <p:extLst>
       <p:ext uri="{BB962C8B-B14F-4D97-AF65-F5344CB8AC3E}">
-        <p14:creationId xmlns="" xmlns:p14="http://schemas.microsoft.com/office/powerpoint/2010/main" val="4062787881"/>
+        <p14:creationId xmlns:p14="http://schemas.microsoft.com/office/powerpoint/2010/main" xmlns="" val="4062787881"/>
       </p:ext>
     </p:extLst>
   </p:cSld>
@@ -3742,374 +3736,6 @@
       </p:par>
     </p:tnLst>
   </p:timing>
-</p:sld>
-</file>
-
-<file path=ppt/slides/slide10.xml><?xml version="1.0" encoding="utf-8"?>
-<p:sld xmlns:a="http://schemas.openxmlformats.org/drawingml/2006/main" xmlns:r="http://schemas.openxmlformats.org/officeDocument/2006/relationships" xmlns:p="http://schemas.openxmlformats.org/presentationml/2006/main">
-  <p:cSld>
-    <p:spTree>
-      <p:nvGrpSpPr>
-        <p:cNvPr id="1" name=""/>
-        <p:cNvGrpSpPr/>
-        <p:nvPr/>
-      </p:nvGrpSpPr>
-      <p:grpSpPr>
-        <a:xfrm>
-          <a:off x="0" y="0"/>
-          <a:ext cx="0" cy="0"/>
-          <a:chOff x="0" y="0"/>
-          <a:chExt cx="0" cy="0"/>
-        </a:xfrm>
-      </p:grpSpPr>
-      <p:sp>
-        <p:nvSpPr>
-          <p:cNvPr id="2" name="Title 1"/>
-          <p:cNvSpPr>
-            <a:spLocks noGrp="1"/>
-          </p:cNvSpPr>
-          <p:nvPr>
-            <p:ph type="title"/>
-          </p:nvPr>
-        </p:nvSpPr>
-        <p:spPr/>
-        <p:txBody>
-          <a:bodyPr/>
-          <a:lstStyle/>
-          <a:p>
-            <a:r>
-              <a:rPr lang="en-US" dirty="0" err="1" smtClean="0"/>
-              <a:t>Hositing</a:t>
-            </a:r>
-            <a:r>
-              <a:rPr lang="en-US" dirty="0" smtClean="0"/>
-              <a:t> Practice</a:t>
-            </a:r>
-            <a:endParaRPr lang="en-US" dirty="0"/>
-          </a:p>
-        </p:txBody>
-      </p:sp>
-      <p:pic>
-        <p:nvPicPr>
-          <p:cNvPr id="5122" name="Picture 2"/>
-          <p:cNvPicPr>
-            <a:picLocks noGrp="1" noChangeAspect="1" noChangeArrowheads="1"/>
-          </p:cNvPicPr>
-          <p:nvPr>
-            <p:ph idx="1"/>
-          </p:nvPr>
-        </p:nvPicPr>
-        <p:blipFill>
-          <a:blip r:embed="rId2"/>
-          <a:stretch>
-            <a:fillRect/>
-          </a:stretch>
-        </p:blipFill>
-        <p:spPr bwMode="auto">
-          <a:xfrm>
-            <a:off x="609600" y="2399425"/>
-            <a:ext cx="9652000" cy="3267237"/>
-          </a:xfrm>
-          <a:prstGeom prst="rect">
-            <a:avLst/>
-          </a:prstGeom>
-          <a:noFill/>
-          <a:ln w="9525">
-            <a:noFill/>
-            <a:miter lim="800000"/>
-            <a:headEnd/>
-            <a:tailEnd/>
-          </a:ln>
-          <a:effectLst/>
-        </p:spPr>
-      </p:pic>
-    </p:spTree>
-  </p:cSld>
-  <p:clrMapOvr>
-    <a:masterClrMapping/>
-  </p:clrMapOvr>
-</p:sld>
-</file>
-
-<file path=ppt/slides/slide11.xml><?xml version="1.0" encoding="utf-8"?>
-<p:sld xmlns:a="http://schemas.openxmlformats.org/drawingml/2006/main" xmlns:r="http://schemas.openxmlformats.org/officeDocument/2006/relationships" xmlns:p="http://schemas.openxmlformats.org/presentationml/2006/main">
-  <p:cSld>
-    <p:spTree>
-      <p:nvGrpSpPr>
-        <p:cNvPr id="1" name=""/>
-        <p:cNvGrpSpPr/>
-        <p:nvPr/>
-      </p:nvGrpSpPr>
-      <p:grpSpPr>
-        <a:xfrm>
-          <a:off x="0" y="0"/>
-          <a:ext cx="0" cy="0"/>
-          <a:chOff x="0" y="0"/>
-          <a:chExt cx="0" cy="0"/>
-        </a:xfrm>
-      </p:grpSpPr>
-      <p:sp>
-        <p:nvSpPr>
-          <p:cNvPr id="2" name="Title 1"/>
-          <p:cNvSpPr>
-            <a:spLocks noGrp="1"/>
-          </p:cNvSpPr>
-          <p:nvPr>
-            <p:ph type="title"/>
-          </p:nvPr>
-        </p:nvSpPr>
-        <p:spPr/>
-        <p:txBody>
-          <a:bodyPr/>
-          <a:lstStyle/>
-          <a:p>
-            <a:r>
-              <a:rPr lang="en-US" dirty="0" smtClean="0"/>
-              <a:t>This keyword</a:t>
-            </a:r>
-            <a:endParaRPr lang="en-US" dirty="0"/>
-          </a:p>
-        </p:txBody>
-      </p:sp>
-      <p:pic>
-        <p:nvPicPr>
-          <p:cNvPr id="6146" name="Picture 2"/>
-          <p:cNvPicPr>
-            <a:picLocks noGrp="1" noChangeAspect="1" noChangeArrowheads="1"/>
-          </p:cNvPicPr>
-          <p:nvPr>
-            <p:ph idx="1"/>
-          </p:nvPr>
-        </p:nvPicPr>
-        <p:blipFill>
-          <a:blip r:embed="rId2"/>
-          <a:stretch>
-            <a:fillRect/>
-          </a:stretch>
-        </p:blipFill>
-        <p:spPr bwMode="auto">
-          <a:xfrm>
-            <a:off x="635000" y="2166144"/>
-            <a:ext cx="9601200" cy="3733800"/>
-          </a:xfrm>
-          <a:prstGeom prst="rect">
-            <a:avLst/>
-          </a:prstGeom>
-          <a:noFill/>
-          <a:ln w="9525">
-            <a:noFill/>
-            <a:miter lim="800000"/>
-            <a:headEnd/>
-            <a:tailEnd/>
-          </a:ln>
-          <a:effectLst/>
-        </p:spPr>
-      </p:pic>
-    </p:spTree>
-  </p:cSld>
-  <p:clrMapOvr>
-    <a:masterClrMapping/>
-  </p:clrMapOvr>
-</p:sld>
-</file>
-
-<file path=ppt/slides/slide12.xml><?xml version="1.0" encoding="utf-8"?>
-<p:sld xmlns:a="http://schemas.openxmlformats.org/drawingml/2006/main" xmlns:r="http://schemas.openxmlformats.org/officeDocument/2006/relationships" xmlns:p="http://schemas.openxmlformats.org/presentationml/2006/main">
-  <p:cSld>
-    <p:spTree>
-      <p:nvGrpSpPr>
-        <p:cNvPr id="1" name=""/>
-        <p:cNvGrpSpPr/>
-        <p:nvPr/>
-      </p:nvGrpSpPr>
-      <p:grpSpPr>
-        <a:xfrm>
-          <a:off x="0" y="0"/>
-          <a:ext cx="0" cy="0"/>
-          <a:chOff x="0" y="0"/>
-          <a:chExt cx="0" cy="0"/>
-        </a:xfrm>
-      </p:grpSpPr>
-      <p:sp>
-        <p:nvSpPr>
-          <p:cNvPr id="2" name="Title 1"/>
-          <p:cNvSpPr>
-            <a:spLocks noGrp="1"/>
-          </p:cNvSpPr>
-          <p:nvPr>
-            <p:ph type="title"/>
-          </p:nvPr>
-        </p:nvSpPr>
-        <p:spPr/>
-        <p:txBody>
-          <a:bodyPr/>
-          <a:lstStyle/>
-          <a:p>
-            <a:r>
-              <a:rPr lang="en-US" dirty="0" smtClean="0"/>
-              <a:t>this keyword practice</a:t>
-            </a:r>
-            <a:endParaRPr lang="en-US" dirty="0"/>
-          </a:p>
-        </p:txBody>
-      </p:sp>
-      <p:pic>
-        <p:nvPicPr>
-          <p:cNvPr id="6146" name="Picture 2"/>
-          <p:cNvPicPr>
-            <a:picLocks noGrp="1" noChangeAspect="1" noChangeArrowheads="1"/>
-          </p:cNvPicPr>
-          <p:nvPr>
-            <p:ph idx="1"/>
-          </p:nvPr>
-        </p:nvPicPr>
-        <p:blipFill>
-          <a:blip r:embed="rId2"/>
-          <a:stretch>
-            <a:fillRect/>
-          </a:stretch>
-        </p:blipFill>
-        <p:spPr bwMode="auto">
-          <a:xfrm>
-            <a:off x="2273300" y="2299494"/>
-            <a:ext cx="6324600" cy="3467100"/>
-          </a:xfrm>
-          <a:prstGeom prst="rect">
-            <a:avLst/>
-          </a:prstGeom>
-          <a:noFill/>
-          <a:ln w="9525">
-            <a:noFill/>
-            <a:miter lim="800000"/>
-            <a:headEnd/>
-            <a:tailEnd/>
-          </a:ln>
-          <a:effectLst/>
-        </p:spPr>
-      </p:pic>
-    </p:spTree>
-  </p:cSld>
-  <p:clrMapOvr>
-    <a:masterClrMapping/>
-  </p:clrMapOvr>
-</p:sld>
-</file>
-
-<file path=ppt/slides/slide13.xml><?xml version="1.0" encoding="utf-8"?>
-<p:sld xmlns:a="http://schemas.openxmlformats.org/drawingml/2006/main" xmlns:r="http://schemas.openxmlformats.org/officeDocument/2006/relationships" xmlns:p="http://schemas.openxmlformats.org/presentationml/2006/main">
-  <p:cSld>
-    <p:spTree>
-      <p:nvGrpSpPr>
-        <p:cNvPr id="1" name=""/>
-        <p:cNvGrpSpPr/>
-        <p:nvPr/>
-      </p:nvGrpSpPr>
-      <p:grpSpPr>
-        <a:xfrm>
-          <a:off x="0" y="0"/>
-          <a:ext cx="0" cy="0"/>
-          <a:chOff x="0" y="0"/>
-          <a:chExt cx="0" cy="0"/>
-        </a:xfrm>
-      </p:grpSpPr>
-      <p:sp>
-        <p:nvSpPr>
-          <p:cNvPr id="2" name="Title 1"/>
-          <p:cNvSpPr>
-            <a:spLocks noGrp="1"/>
-          </p:cNvSpPr>
-          <p:nvPr>
-            <p:ph type="title"/>
-          </p:nvPr>
-        </p:nvSpPr>
-        <p:spPr/>
-        <p:txBody>
-          <a:bodyPr>
-            <a:normAutofit fontScale="90000"/>
-          </a:bodyPr>
-          <a:lstStyle/>
-          <a:p>
-            <a:r>
-              <a:rPr lang="en-US" dirty="0" smtClean="0"/>
-              <a:t>This keyword in normal function and  arrow function</a:t>
-            </a:r>
-            <a:endParaRPr lang="en-US" dirty="0"/>
-          </a:p>
-        </p:txBody>
-      </p:sp>
-      <p:pic>
-        <p:nvPicPr>
-          <p:cNvPr id="4101" name="Picture 5"/>
-          <p:cNvPicPr>
-            <a:picLocks noGrp="1" noChangeAspect="1" noChangeArrowheads="1"/>
-          </p:cNvPicPr>
-          <p:nvPr>
-            <p:ph idx="1"/>
-          </p:nvPr>
-        </p:nvPicPr>
-        <p:blipFill>
-          <a:blip r:embed="rId2"/>
-          <a:srcRect/>
-          <a:stretch>
-            <a:fillRect/>
-          </a:stretch>
-        </p:blipFill>
-        <p:spPr bwMode="auto">
-          <a:xfrm>
-            <a:off x="1165043" y="1554480"/>
-            <a:ext cx="3905250" cy="4480560"/>
-          </a:xfrm>
-          <a:prstGeom prst="rect">
-            <a:avLst/>
-          </a:prstGeom>
-          <a:noFill/>
-          <a:ln w="9525">
-            <a:noFill/>
-            <a:miter lim="800000"/>
-            <a:headEnd/>
-            <a:tailEnd/>
-          </a:ln>
-          <a:effectLst/>
-        </p:spPr>
-      </p:pic>
-      <p:pic>
-        <p:nvPicPr>
-          <p:cNvPr id="4100" name="Picture 4"/>
-          <p:cNvPicPr>
-            <a:picLocks noChangeAspect="1" noChangeArrowheads="1"/>
-          </p:cNvPicPr>
-          <p:nvPr/>
-        </p:nvPicPr>
-        <p:blipFill>
-          <a:blip r:embed="rId3"/>
-          <a:srcRect/>
-          <a:stretch>
-            <a:fillRect/>
-          </a:stretch>
-        </p:blipFill>
-        <p:spPr bwMode="auto">
-          <a:xfrm>
-            <a:off x="6325689" y="1698171"/>
-            <a:ext cx="4191000" cy="4284618"/>
-          </a:xfrm>
-          <a:prstGeom prst="rect">
-            <a:avLst/>
-          </a:prstGeom>
-          <a:noFill/>
-          <a:ln w="9525">
-            <a:noFill/>
-            <a:miter lim="800000"/>
-            <a:headEnd/>
-            <a:tailEnd/>
-          </a:ln>
-          <a:effectLst/>
-        </p:spPr>
-      </p:pic>
-    </p:spTree>
-  </p:cSld>
-  <p:clrMapOvr>
-    <a:masterClrMapping/>
-  </p:clrMapOvr>
 </p:sld>
 </file>
 
@@ -4557,7 +4183,7 @@
     </p:spTree>
     <p:extLst>
       <p:ext uri="{BB962C8B-B14F-4D97-AF65-F5344CB8AC3E}">
-        <p14:creationId xmlns:p14="http://schemas.microsoft.com/office/powerpoint/2010/main" xmlns="" val="3110464337"/>
+        <p14:creationId xmlns="" xmlns:p14="http://schemas.microsoft.com/office/powerpoint/2010/main" val="3110464337"/>
       </p:ext>
     </p:extLst>
   </p:cSld>
@@ -4983,188 +4609,6 @@
           <a:xfrm>
             <a:off x="1083538" y="1892890"/>
             <a:ext cx="9972675" cy="4143375"/>
-          </a:xfrm>
-          <a:prstGeom prst="rect">
-            <a:avLst/>
-          </a:prstGeom>
-          <a:noFill/>
-          <a:ln w="9525">
-            <a:noFill/>
-            <a:miter lim="800000"/>
-            <a:headEnd/>
-            <a:tailEnd/>
-          </a:ln>
-          <a:effectLst/>
-        </p:spPr>
-      </p:pic>
-    </p:spTree>
-  </p:cSld>
-  <p:clrMapOvr>
-    <a:masterClrMapping/>
-  </p:clrMapOvr>
-</p:sld>
-</file>
-
-<file path=ppt/slides/slide8.xml><?xml version="1.0" encoding="utf-8"?>
-<p:sld xmlns:a="http://schemas.openxmlformats.org/drawingml/2006/main" xmlns:r="http://schemas.openxmlformats.org/officeDocument/2006/relationships" xmlns:p="http://schemas.openxmlformats.org/presentationml/2006/main">
-  <p:cSld>
-    <p:spTree>
-      <p:nvGrpSpPr>
-        <p:cNvPr id="1" name=""/>
-        <p:cNvGrpSpPr/>
-        <p:nvPr/>
-      </p:nvGrpSpPr>
-      <p:grpSpPr>
-        <a:xfrm>
-          <a:off x="0" y="0"/>
-          <a:ext cx="0" cy="0"/>
-          <a:chOff x="0" y="0"/>
-          <a:chExt cx="0" cy="0"/>
-        </a:xfrm>
-      </p:grpSpPr>
-      <p:sp>
-        <p:nvSpPr>
-          <p:cNvPr id="2" name="Title 1"/>
-          <p:cNvSpPr>
-            <a:spLocks noGrp="1"/>
-          </p:cNvSpPr>
-          <p:nvPr>
-            <p:ph type="title"/>
-          </p:nvPr>
-        </p:nvSpPr>
-        <p:spPr/>
-        <p:txBody>
-          <a:bodyPr/>
-          <a:lstStyle/>
-          <a:p>
-            <a:r>
-              <a:rPr lang="en-US" dirty="0" smtClean="0"/>
-              <a:t>Hoisting</a:t>
-            </a:r>
-            <a:endParaRPr lang="en-US" dirty="0"/>
-          </a:p>
-        </p:txBody>
-      </p:sp>
-      <p:pic>
-        <p:nvPicPr>
-          <p:cNvPr id="3074" name="Picture 2"/>
-          <p:cNvPicPr>
-            <a:picLocks noGrp="1" noChangeAspect="1" noChangeArrowheads="1"/>
-          </p:cNvPicPr>
-          <p:nvPr>
-            <p:ph idx="1"/>
-          </p:nvPr>
-        </p:nvPicPr>
-        <p:blipFill>
-          <a:blip r:embed="rId2"/>
-          <a:stretch>
-            <a:fillRect/>
-          </a:stretch>
-        </p:blipFill>
-        <p:spPr bwMode="auto">
-          <a:xfrm>
-            <a:off x="1358900" y="2066131"/>
-            <a:ext cx="8153400" cy="3933825"/>
-          </a:xfrm>
-          <a:prstGeom prst="rect">
-            <a:avLst/>
-          </a:prstGeom>
-          <a:noFill/>
-          <a:ln w="9525">
-            <a:noFill/>
-            <a:miter lim="800000"/>
-            <a:headEnd/>
-            <a:tailEnd/>
-          </a:ln>
-          <a:effectLst/>
-        </p:spPr>
-      </p:pic>
-    </p:spTree>
-  </p:cSld>
-  <p:clrMapOvr>
-    <a:masterClrMapping/>
-  </p:clrMapOvr>
-</p:sld>
-</file>
-
-<file path=ppt/slides/slide9.xml><?xml version="1.0" encoding="utf-8"?>
-<p:sld xmlns:a="http://schemas.openxmlformats.org/drawingml/2006/main" xmlns:r="http://schemas.openxmlformats.org/officeDocument/2006/relationships" xmlns:p="http://schemas.openxmlformats.org/presentationml/2006/main">
-  <p:cSld>
-    <p:spTree>
-      <p:nvGrpSpPr>
-        <p:cNvPr id="1" name=""/>
-        <p:cNvGrpSpPr/>
-        <p:nvPr/>
-      </p:nvGrpSpPr>
-      <p:grpSpPr>
-        <a:xfrm>
-          <a:off x="0" y="0"/>
-          <a:ext cx="0" cy="0"/>
-          <a:chOff x="0" y="0"/>
-          <a:chExt cx="0" cy="0"/>
-        </a:xfrm>
-      </p:grpSpPr>
-      <p:sp>
-        <p:nvSpPr>
-          <p:cNvPr id="2" name="Title 1"/>
-          <p:cNvSpPr>
-            <a:spLocks noGrp="1"/>
-          </p:cNvSpPr>
-          <p:nvPr>
-            <p:ph type="title"/>
-          </p:nvPr>
-        </p:nvSpPr>
-        <p:spPr/>
-        <p:txBody>
-          <a:bodyPr/>
-          <a:lstStyle/>
-          <a:p>
-            <a:r>
-              <a:rPr lang="en-US" dirty="0" smtClean="0"/>
-              <a:t>TDZ</a:t>
-            </a:r>
-            <a:endParaRPr lang="en-US" dirty="0"/>
-          </a:p>
-        </p:txBody>
-      </p:sp>
-      <p:sp>
-        <p:nvSpPr>
-          <p:cNvPr id="4" name="Content Placeholder 3"/>
-          <p:cNvSpPr>
-            <a:spLocks noGrp="1"/>
-          </p:cNvSpPr>
-          <p:nvPr>
-            <p:ph idx="1"/>
-          </p:nvPr>
-        </p:nvSpPr>
-        <p:spPr/>
-        <p:txBody>
-          <a:bodyPr/>
-          <a:lstStyle/>
-          <a:p>
-            <a:endParaRPr lang="en-US"/>
-          </a:p>
-        </p:txBody>
-      </p:sp>
-      <p:pic>
-        <p:nvPicPr>
-          <p:cNvPr id="4098" name="Picture 2"/>
-          <p:cNvPicPr>
-            <a:picLocks noChangeAspect="1" noChangeArrowheads="1"/>
-          </p:cNvPicPr>
-          <p:nvPr/>
-        </p:nvPicPr>
-        <p:blipFill>
-          <a:blip r:embed="rId2"/>
-          <a:srcRect/>
-          <a:stretch>
-            <a:fillRect/>
-          </a:stretch>
-        </p:blipFill>
-        <p:spPr bwMode="auto">
-          <a:xfrm>
-            <a:off x="2209528" y="2199595"/>
-            <a:ext cx="7981950" cy="3895725"/>
           </a:xfrm>
           <a:prstGeom prst="rect">
             <a:avLst/>
